--- a/tex/cartoonbw.pptx
+++ b/tex/cartoonbw.pptx
@@ -929,29 +929,29 @@
       </dgm:t>
     </dgm:pt>
     <dgm:pt modelId="{6002772F-E131-0442-9896-23DB0CDFD117}">
-      <dgm:prSet phldrT="[Text]"/>
+      <dgm:prSet phldrT="[Text]" custT="1"/>
       <dgm:spPr/>
       <dgm:t>
         <a:bodyPr/>
         <a:lstStyle/>
         <a:p>
           <a:r>
-            <a:rPr lang="en-US" dirty="0" err="1" smtClean="0"/>
+            <a:rPr lang="en-US" sz="1600" dirty="0" err="1" smtClean="0"/>
             <a:t>Embeddings</a:t>
           </a:r>
           <a:r>
-            <a:rPr lang="en-US" dirty="0" smtClean="0"/>
+            <a:rPr lang="en-US" sz="1600" dirty="0" smtClean="0"/>
             <a:t> (Incremental, Missing value aware, Max-</a:t>
           </a:r>
           <a:r>
-            <a:rPr lang="en-US" dirty="0" err="1" smtClean="0"/>
+            <a:rPr lang="en-US" sz="1600" dirty="0" err="1" smtClean="0"/>
             <a:t>Var</a:t>
           </a:r>
           <a:r>
-            <a:rPr lang="en-US" dirty="0" smtClean="0"/>
+            <a:rPr lang="en-US" sz="1600" dirty="0" smtClean="0"/>
             <a:t> GCCA)</a:t>
           </a:r>
-          <a:endParaRPr lang="en-US" dirty="0"/>
+          <a:endParaRPr lang="en-US" sz="1600" dirty="0"/>
         </a:p>
       </dgm:t>
     </dgm:pt>
@@ -1173,11 +1173,7 @@
           </a:r>
           <a:r>
             <a:rPr lang="en-US" dirty="0" smtClean="0"/>
-            <a:t>, …</a:t>
-          </a:r>
-          <a:r>
-            <a:rPr lang="en-US" dirty="0" smtClean="0"/>
-            <a:t>)</a:t>
+            <a:t>, …)</a:t>
           </a:r>
           <a:endParaRPr lang="en-US" dirty="0"/>
         </a:p>
@@ -1480,8 +1476,8 @@
       </dsp:nvSpPr>
       <dsp:spPr>
         <a:xfrm>
-          <a:off x="3309971" y="4096551"/>
-          <a:ext cx="2293929" cy="1806354"/>
+          <a:off x="3534455" y="2831560"/>
+          <a:ext cx="1877750" cy="1478634"/>
         </a:xfrm>
         <a:prstGeom prst="ellipse">
           <a:avLst/>
@@ -1523,12 +1519,12 @@
         </a:fontRef>
       </dsp:style>
       <dsp:txBody>
-        <a:bodyPr spcFirstLastPara="0" vert="horz" wrap="square" lIns="11430" tIns="11430" rIns="11430" bIns="11430" numCol="1" spcCol="1270" anchor="ctr" anchorCtr="0">
+        <a:bodyPr spcFirstLastPara="0" vert="horz" wrap="square" lIns="10160" tIns="10160" rIns="10160" bIns="10160" numCol="1" spcCol="1270" anchor="ctr" anchorCtr="0">
           <a:noAutofit/>
         </a:bodyPr>
         <a:lstStyle/>
         <a:p>
-          <a:pPr lvl="0" algn="ctr" defTabSz="800100">
+          <a:pPr lvl="0" algn="ctr" defTabSz="711200">
             <a:lnSpc>
               <a:spcPct val="90000"/>
             </a:lnSpc>
@@ -1540,27 +1536,27 @@
             </a:spcAft>
           </a:pPr>
           <a:r>
-            <a:rPr lang="en-US" sz="1800" kern="1200" dirty="0" err="1" smtClean="0"/>
+            <a:rPr lang="en-US" sz="1600" kern="1200" dirty="0" err="1" smtClean="0"/>
             <a:t>Embeddings</a:t>
           </a:r>
           <a:r>
-            <a:rPr lang="en-US" sz="1800" kern="1200" dirty="0" smtClean="0"/>
+            <a:rPr lang="en-US" sz="1600" kern="1200" dirty="0" smtClean="0"/>
             <a:t> (Incremental, Missing value aware, Max-</a:t>
           </a:r>
           <a:r>
-            <a:rPr lang="en-US" sz="1800" kern="1200" dirty="0" err="1" smtClean="0"/>
+            <a:rPr lang="en-US" sz="1600" kern="1200" dirty="0" err="1" smtClean="0"/>
             <a:t>Var</a:t>
           </a:r>
           <a:r>
-            <a:rPr lang="en-US" sz="1800" kern="1200" dirty="0" smtClean="0"/>
+            <a:rPr lang="en-US" sz="1600" kern="1200" dirty="0" smtClean="0"/>
             <a:t> GCCA)</a:t>
           </a:r>
-          <a:endParaRPr lang="en-US" sz="1800" kern="1200" dirty="0"/>
+          <a:endParaRPr lang="en-US" sz="1600" kern="1200" dirty="0"/>
         </a:p>
       </dsp:txBody>
       <dsp:txXfrm>
-        <a:off x="3645909" y="4361085"/>
-        <a:ext cx="1622053" cy="1277286"/>
+        <a:off x="3809445" y="3048101"/>
+        <a:ext cx="1327770" cy="1045552"/>
       </dsp:txXfrm>
     </dsp:sp>
     <dsp:sp modelId="{091644FD-5D57-FC4F-99B2-3BA367E5D3E4}">
@@ -1570,8 +1566,8 @@
       </dsp:nvSpPr>
       <dsp:spPr>
         <a:xfrm rot="10800000">
-          <a:off x="1090298" y="4672843"/>
-          <a:ext cx="2097590" cy="653769"/>
+          <a:off x="1716595" y="3303297"/>
+          <a:ext cx="1717877" cy="535158"/>
         </a:xfrm>
         <a:prstGeom prst="leftArrow">
           <a:avLst>
@@ -1615,8 +1611,8 @@
       </dsp:nvSpPr>
       <dsp:spPr>
         <a:xfrm>
-          <a:off x="682" y="4128035"/>
-          <a:ext cx="2179232" cy="1743386"/>
+          <a:off x="824664" y="2857332"/>
+          <a:ext cx="1783862" cy="1427090"/>
         </a:xfrm>
         <a:prstGeom prst="roundRect">
           <a:avLst>
@@ -1660,12 +1656,12 @@
         </a:fontRef>
       </dsp:style>
       <dsp:txBody>
-        <a:bodyPr spcFirstLastPara="0" vert="horz" wrap="square" lIns="47625" tIns="47625" rIns="47625" bIns="47625" numCol="1" spcCol="1270" anchor="ctr" anchorCtr="0">
+        <a:bodyPr spcFirstLastPara="0" vert="horz" wrap="square" lIns="38100" tIns="38100" rIns="38100" bIns="38100" numCol="1" spcCol="1270" anchor="ctr" anchorCtr="0">
           <a:noAutofit/>
         </a:bodyPr>
         <a:lstStyle/>
         <a:p>
-          <a:pPr lvl="0" algn="ctr" defTabSz="1111250">
+          <a:pPr lvl="0" algn="ctr" defTabSz="889000">
             <a:lnSpc>
               <a:spcPct val="90000"/>
             </a:lnSpc>
@@ -1677,15 +1673,15 @@
             </a:spcAft>
           </a:pPr>
           <a:r>
-            <a:rPr lang="en-US" sz="2500" kern="1200" dirty="0" smtClean="0"/>
+            <a:rPr lang="en-US" sz="2000" kern="1200" dirty="0" smtClean="0"/>
             <a:t>Monolingual Text From Wikipedia</a:t>
           </a:r>
-          <a:endParaRPr lang="en-US" sz="2500" kern="1200" dirty="0"/>
+          <a:endParaRPr lang="en-US" sz="2000" kern="1200" dirty="0"/>
         </a:p>
       </dsp:txBody>
       <dsp:txXfrm>
-        <a:off x="51744" y="4179097"/>
-        <a:ext cx="2077108" cy="1641262"/>
+        <a:off x="866462" y="2899130"/>
+        <a:ext cx="1700266" cy="1343494"/>
       </dsp:txXfrm>
     </dsp:sp>
     <dsp:sp modelId="{C0BFD476-85B3-974C-BBDB-BC3473869186}">
@@ -1695,8 +1691,8 @@
       </dsp:nvSpPr>
       <dsp:spPr>
         <a:xfrm rot="13500000">
-          <a:off x="1749325" y="3081812"/>
-          <a:ext cx="2233158" cy="653769"/>
+          <a:off x="2256195" y="2000588"/>
+          <a:ext cx="1828849" cy="535158"/>
         </a:xfrm>
         <a:prstGeom prst="leftArrow">
           <a:avLst>
@@ -1740,8 +1736,8 @@
       </dsp:nvSpPr>
       <dsp:spPr>
         <a:xfrm>
-          <a:off x="986747" y="1747463"/>
-          <a:ext cx="2179232" cy="1743386"/>
+          <a:off x="1632093" y="908026"/>
+          <a:ext cx="1783862" cy="1427090"/>
         </a:xfrm>
         <a:prstGeom prst="roundRect">
           <a:avLst>
@@ -1785,12 +1781,12 @@
         </a:fontRef>
       </dsp:style>
       <dsp:txBody>
-        <a:bodyPr spcFirstLastPara="0" vert="horz" wrap="square" lIns="47625" tIns="47625" rIns="47625" bIns="47625" numCol="1" spcCol="1270" anchor="ctr" anchorCtr="0">
+        <a:bodyPr spcFirstLastPara="0" vert="horz" wrap="square" lIns="38100" tIns="38100" rIns="38100" bIns="38100" numCol="1" spcCol="1270" anchor="ctr" anchorCtr="0">
           <a:noAutofit/>
         </a:bodyPr>
         <a:lstStyle/>
         <a:p>
-          <a:pPr lvl="0" algn="ctr" defTabSz="1111250">
+          <a:pPr lvl="0" algn="ctr" defTabSz="889000">
             <a:lnSpc>
               <a:spcPct val="90000"/>
             </a:lnSpc>
@@ -1802,47 +1798,47 @@
             </a:spcAft>
           </a:pPr>
           <a:r>
-            <a:rPr lang="en-US" sz="2500" kern="1200" dirty="0" smtClean="0"/>
+            <a:rPr lang="en-US" sz="2000" kern="1200" dirty="0" smtClean="0"/>
             <a:t>Word Aligned </a:t>
           </a:r>
           <a:r>
-            <a:rPr lang="en-US" sz="2500" kern="1200" dirty="0" err="1" smtClean="0"/>
+            <a:rPr lang="en-US" sz="2000" kern="1200" dirty="0" err="1" smtClean="0"/>
             <a:t>Bitext</a:t>
           </a:r>
           <a:r>
-            <a:rPr lang="en-US" sz="2500" kern="1200" dirty="0" smtClean="0"/>
+            <a:rPr lang="en-US" sz="2000" kern="1200" dirty="0" smtClean="0"/>
             <a:t> (</a:t>
           </a:r>
           <a:r>
-            <a:rPr lang="en-US" sz="2500" kern="1200" dirty="0" err="1" smtClean="0"/>
+            <a:rPr lang="en-US" sz="2000" kern="1200" dirty="0" err="1" smtClean="0"/>
             <a:t>Fr</a:t>
           </a:r>
           <a:r>
-            <a:rPr lang="en-US" sz="2500" kern="1200" dirty="0" smtClean="0"/>
+            <a:rPr lang="en-US" sz="2000" kern="1200" dirty="0" smtClean="0"/>
             <a:t>, </a:t>
           </a:r>
           <a:r>
-            <a:rPr lang="en-US" sz="2500" kern="1200" dirty="0" err="1" smtClean="0"/>
+            <a:rPr lang="en-US" sz="2000" kern="1200" dirty="0" err="1" smtClean="0"/>
             <a:t>Zh</a:t>
           </a:r>
           <a:r>
-            <a:rPr lang="en-US" sz="2500" kern="1200" dirty="0" smtClean="0"/>
+            <a:rPr lang="en-US" sz="2000" kern="1200" dirty="0" smtClean="0"/>
             <a:t>, </a:t>
           </a:r>
           <a:r>
-            <a:rPr lang="en-US" sz="2500" kern="1200" dirty="0" err="1" smtClean="0"/>
+            <a:rPr lang="en-US" sz="2000" kern="1200" dirty="0" err="1" smtClean="0"/>
             <a:t>Es</a:t>
           </a:r>
           <a:r>
-            <a:rPr lang="en-US" sz="2500" kern="1200" dirty="0" smtClean="0"/>
+            <a:rPr lang="en-US" sz="2000" kern="1200" dirty="0" smtClean="0"/>
             <a:t>, De, …)</a:t>
           </a:r>
-          <a:endParaRPr lang="en-US" sz="2500" kern="1200" dirty="0"/>
+          <a:endParaRPr lang="en-US" sz="2000" kern="1200" dirty="0"/>
         </a:p>
       </dsp:txBody>
       <dsp:txXfrm>
-        <a:off x="1037809" y="1798525"/>
-        <a:ext cx="2077108" cy="1641262"/>
+        <a:off x="1673891" y="949824"/>
+        <a:ext cx="1700266" cy="1343494"/>
       </dsp:txXfrm>
     </dsp:sp>
     <dsp:sp modelId="{49500188-E320-7A4A-9E23-1F7405A544D6}">
@@ -1852,8 +1848,8 @@
       </dsp:nvSpPr>
       <dsp:spPr>
         <a:xfrm rot="16200000">
-          <a:off x="3292951" y="2470191"/>
-          <a:ext cx="2327969" cy="653769"/>
+          <a:off x="3520100" y="1499792"/>
+          <a:ext cx="1906459" cy="535158"/>
         </a:xfrm>
         <a:prstGeom prst="leftArrow">
           <a:avLst>
@@ -1897,8 +1893,8 @@
       </dsp:nvSpPr>
       <dsp:spPr>
         <a:xfrm>
-          <a:off x="3367319" y="761398"/>
-          <a:ext cx="2179232" cy="1743386"/>
+          <a:off x="3581399" y="100597"/>
+          <a:ext cx="1783862" cy="1427090"/>
         </a:xfrm>
         <a:prstGeom prst="roundRect">
           <a:avLst>
@@ -1942,12 +1938,12 @@
         </a:fontRef>
       </dsp:style>
       <dsp:txBody>
-        <a:bodyPr spcFirstLastPara="0" vert="horz" wrap="square" lIns="47625" tIns="47625" rIns="47625" bIns="47625" numCol="1" spcCol="1270" anchor="ctr" anchorCtr="0">
+        <a:bodyPr spcFirstLastPara="0" vert="horz" wrap="square" lIns="38100" tIns="38100" rIns="38100" bIns="38100" numCol="1" spcCol="1270" anchor="ctr" anchorCtr="0">
           <a:noAutofit/>
         </a:bodyPr>
         <a:lstStyle/>
         <a:p>
-          <a:pPr lvl="0" algn="ctr" defTabSz="1111250">
+          <a:pPr lvl="0" algn="ctr" defTabSz="889000">
             <a:lnSpc>
               <a:spcPct val="90000"/>
             </a:lnSpc>
@@ -1959,12 +1955,12 @@
             </a:spcAft>
           </a:pPr>
           <a:r>
-            <a:rPr lang="en-US" sz="2500" kern="1200" dirty="0" smtClean="0"/>
+            <a:rPr lang="en-US" sz="2000" kern="1200" dirty="0" smtClean="0"/>
             <a:t>Dependency Relations</a:t>
           </a:r>
         </a:p>
         <a:p>
-          <a:pPr lvl="0" algn="ctr" defTabSz="1111250">
+          <a:pPr lvl="0" algn="ctr" defTabSz="889000">
             <a:lnSpc>
               <a:spcPct val="90000"/>
             </a:lnSpc>
@@ -1976,43 +1972,39 @@
             </a:spcAft>
           </a:pPr>
           <a:r>
-            <a:rPr lang="en-US" sz="2500" kern="1200" dirty="0" smtClean="0"/>
+            <a:rPr lang="en-US" sz="2000" kern="1200" dirty="0" smtClean="0"/>
             <a:t>(</a:t>
           </a:r>
           <a:r>
-            <a:rPr lang="en-US" sz="2500" kern="1200" dirty="0" err="1" smtClean="0"/>
+            <a:rPr lang="en-US" sz="2000" kern="1200" dirty="0" err="1" smtClean="0"/>
             <a:t>nsubj</a:t>
           </a:r>
           <a:r>
-            <a:rPr lang="en-US" sz="2500" kern="1200" dirty="0" smtClean="0"/>
+            <a:rPr lang="en-US" sz="2000" kern="1200" dirty="0" smtClean="0"/>
             <a:t>, </a:t>
           </a:r>
           <a:r>
-            <a:rPr lang="en-US" sz="2500" kern="1200" dirty="0" err="1" smtClean="0"/>
+            <a:rPr lang="en-US" sz="2000" kern="1200" dirty="0" err="1" smtClean="0"/>
             <a:t>amod</a:t>
           </a:r>
           <a:r>
-            <a:rPr lang="en-US" sz="2500" kern="1200" dirty="0" smtClean="0"/>
+            <a:rPr lang="en-US" sz="2000" kern="1200" dirty="0" smtClean="0"/>
             <a:t>, </a:t>
           </a:r>
           <a:r>
-            <a:rPr lang="en-US" sz="2500" kern="1200" dirty="0" err="1" smtClean="0"/>
+            <a:rPr lang="en-US" sz="2000" kern="1200" dirty="0" err="1" smtClean="0"/>
             <a:t>advmod</a:t>
           </a:r>
           <a:r>
-            <a:rPr lang="en-US" sz="2500" kern="1200" dirty="0" smtClean="0"/>
-            <a:t>, …</a:t>
+            <a:rPr lang="en-US" sz="2000" kern="1200" dirty="0" smtClean="0"/>
+            <a:t>, …)</a:t>
           </a:r>
-          <a:r>
-            <a:rPr lang="en-US" sz="2500" kern="1200" dirty="0" smtClean="0"/>
-            <a:t>)</a:t>
-          </a:r>
-          <a:endParaRPr lang="en-US" sz="2500" kern="1200" dirty="0"/>
+          <a:endParaRPr lang="en-US" sz="2000" kern="1200" dirty="0"/>
         </a:p>
       </dsp:txBody>
       <dsp:txXfrm>
-        <a:off x="3418381" y="812460"/>
-        <a:ext cx="2077108" cy="1641262"/>
+        <a:off x="3623197" y="142395"/>
+        <a:ext cx="1700266" cy="1343494"/>
       </dsp:txXfrm>
     </dsp:sp>
     <dsp:sp modelId="{FB0BF166-1888-854C-90C2-CD849C0B96B0}">
@@ -2022,8 +2014,8 @@
       </dsp:nvSpPr>
       <dsp:spPr>
         <a:xfrm rot="18900000">
-          <a:off x="4931387" y="3081812"/>
-          <a:ext cx="2233158" cy="653769"/>
+          <a:off x="4861615" y="2000588"/>
+          <a:ext cx="1828849" cy="535158"/>
         </a:xfrm>
         <a:prstGeom prst="leftArrow">
           <a:avLst>
@@ -2067,8 +2059,8 @@
       </dsp:nvSpPr>
       <dsp:spPr>
         <a:xfrm>
-          <a:off x="5747891" y="1747463"/>
-          <a:ext cx="2179232" cy="1743386"/>
+          <a:off x="5530704" y="908026"/>
+          <a:ext cx="1783862" cy="1427090"/>
         </a:xfrm>
         <a:prstGeom prst="roundRect">
           <a:avLst>
@@ -2112,12 +2104,12 @@
         </a:fontRef>
       </dsp:style>
       <dsp:txBody>
-        <a:bodyPr spcFirstLastPara="0" vert="horz" wrap="square" lIns="47625" tIns="47625" rIns="47625" bIns="47625" numCol="1" spcCol="1270" anchor="ctr" anchorCtr="0">
+        <a:bodyPr spcFirstLastPara="0" vert="horz" wrap="square" lIns="38100" tIns="38100" rIns="38100" bIns="38100" numCol="1" spcCol="1270" anchor="ctr" anchorCtr="0">
           <a:noAutofit/>
         </a:bodyPr>
         <a:lstStyle/>
         <a:p>
-          <a:pPr lvl="0" algn="ctr" defTabSz="1111250">
+          <a:pPr lvl="0" algn="ctr" defTabSz="889000">
             <a:lnSpc>
               <a:spcPct val="90000"/>
             </a:lnSpc>
@@ -2129,12 +2121,12 @@
             </a:spcAft>
           </a:pPr>
           <a:r>
-            <a:rPr lang="en-US" sz="2500" kern="1200" dirty="0" smtClean="0"/>
+            <a:rPr lang="en-US" sz="2000" kern="1200" dirty="0" smtClean="0"/>
             <a:t>Morphology</a:t>
           </a:r>
         </a:p>
         <a:p>
-          <a:pPr lvl="0" algn="ctr" defTabSz="1111250">
+          <a:pPr lvl="0" algn="ctr" defTabSz="889000">
             <a:lnSpc>
               <a:spcPct val="90000"/>
             </a:lnSpc>
@@ -2146,31 +2138,31 @@
             </a:spcAft>
           </a:pPr>
           <a:r>
-            <a:rPr lang="en-US" sz="2500" kern="1200" dirty="0" smtClean="0"/>
+            <a:rPr lang="en-US" sz="2000" kern="1200" dirty="0" smtClean="0"/>
             <a:t>(</a:t>
           </a:r>
           <a:r>
-            <a:rPr lang="en-US" sz="2500" kern="1200" dirty="0" err="1" smtClean="0"/>
+            <a:rPr lang="en-US" sz="2000" kern="1200" dirty="0" err="1" smtClean="0"/>
             <a:t>CatVar</a:t>
           </a:r>
           <a:r>
-            <a:rPr lang="en-US" sz="2500" kern="1200" dirty="0" smtClean="0"/>
+            <a:rPr lang="en-US" sz="2000" kern="1200" dirty="0" smtClean="0"/>
             <a:t>, </a:t>
           </a:r>
           <a:r>
-            <a:rPr lang="en-US" sz="2500" kern="1200" dirty="0" err="1" smtClean="0"/>
+            <a:rPr lang="en-US" sz="2000" kern="1200" dirty="0" err="1" smtClean="0"/>
             <a:t>Morphy</a:t>
           </a:r>
           <a:r>
-            <a:rPr lang="en-US" sz="2500" kern="1200" dirty="0" smtClean="0"/>
+            <a:rPr lang="en-US" sz="2000" kern="1200" dirty="0" smtClean="0"/>
             <a:t>/a)</a:t>
           </a:r>
-          <a:endParaRPr lang="en-US" sz="2500" kern="1200" dirty="0"/>
+          <a:endParaRPr lang="en-US" sz="2000" kern="1200" dirty="0"/>
         </a:p>
       </dsp:txBody>
       <dsp:txXfrm>
-        <a:off x="5798953" y="1798525"/>
-        <a:ext cx="2077108" cy="1641262"/>
+        <a:off x="5572502" y="949824"/>
+        <a:ext cx="1700266" cy="1343494"/>
       </dsp:txXfrm>
     </dsp:sp>
     <dsp:sp modelId="{7D15AAF2-B2BD-5E4C-92EB-08FF414BB65A}">
@@ -2180,8 +2172,8 @@
       </dsp:nvSpPr>
       <dsp:spPr>
         <a:xfrm>
-          <a:off x="5725982" y="4672843"/>
-          <a:ext cx="2097590" cy="653769"/>
+          <a:off x="5512187" y="3303297"/>
+          <a:ext cx="1717877" cy="535158"/>
         </a:xfrm>
         <a:prstGeom prst="leftArrow">
           <a:avLst>
@@ -2225,8 +2217,8 @@
       </dsp:nvSpPr>
       <dsp:spPr>
         <a:xfrm>
-          <a:off x="6733956" y="4128035"/>
-          <a:ext cx="2179232" cy="1743386"/>
+          <a:off x="6338133" y="2857332"/>
+          <a:ext cx="1783862" cy="1427090"/>
         </a:xfrm>
         <a:prstGeom prst="roundRect">
           <a:avLst>
@@ -2270,12 +2262,12 @@
         </a:fontRef>
       </dsp:style>
       <dsp:txBody>
-        <a:bodyPr spcFirstLastPara="0" vert="horz" wrap="square" lIns="47625" tIns="47625" rIns="47625" bIns="47625" numCol="1" spcCol="1270" anchor="ctr" anchorCtr="0">
+        <a:bodyPr spcFirstLastPara="0" vert="horz" wrap="square" lIns="38100" tIns="38100" rIns="38100" bIns="38100" numCol="1" spcCol="1270" anchor="ctr" anchorCtr="0">
           <a:noAutofit/>
         </a:bodyPr>
         <a:lstStyle/>
         <a:p>
-          <a:pPr lvl="0" algn="ctr" defTabSz="1111250">
+          <a:pPr lvl="0" algn="ctr" defTabSz="889000">
             <a:lnSpc>
               <a:spcPct val="90000"/>
             </a:lnSpc>
@@ -2287,12 +2279,12 @@
             </a:spcAft>
           </a:pPr>
           <a:r>
-            <a:rPr lang="en-US" sz="2500" kern="1200" dirty="0" smtClean="0"/>
+            <a:rPr lang="en-US" sz="2000" kern="1200" dirty="0" smtClean="0"/>
             <a:t>Frame Relations</a:t>
           </a:r>
         </a:p>
         <a:p>
-          <a:pPr lvl="0" algn="ctr" defTabSz="1111250">
+          <a:pPr lvl="0" algn="ctr" defTabSz="889000">
             <a:lnSpc>
               <a:spcPct val="90000"/>
             </a:lnSpc>
@@ -2304,23 +2296,23 @@
             </a:spcAft>
           </a:pPr>
           <a:r>
-            <a:rPr lang="en-US" sz="2500" kern="1200" dirty="0" smtClean="0"/>
+            <a:rPr lang="en-US" sz="2000" kern="1200" dirty="0" smtClean="0"/>
             <a:t>(</a:t>
           </a:r>
           <a:r>
-            <a:rPr lang="en-US" sz="2500" kern="1200" dirty="0" err="1" smtClean="0"/>
+            <a:rPr lang="en-US" sz="2000" kern="1200" dirty="0" err="1" smtClean="0"/>
             <a:t>FrameNet</a:t>
           </a:r>
           <a:r>
-            <a:rPr lang="en-US" sz="2500" kern="1200" dirty="0" smtClean="0"/>
+            <a:rPr lang="en-US" sz="2000" kern="1200" dirty="0" smtClean="0"/>
             <a:t>)</a:t>
           </a:r>
-          <a:endParaRPr lang="en-US" sz="2500" kern="1200" dirty="0"/>
+          <a:endParaRPr lang="en-US" sz="2000" kern="1200" dirty="0"/>
         </a:p>
       </dsp:txBody>
       <dsp:txXfrm>
-        <a:off x="6785018" y="4179097"/>
-        <a:ext cx="2077108" cy="1641262"/>
+        <a:off x="6379931" y="2899130"/>
+        <a:ext cx="1700266" cy="1343494"/>
       </dsp:txXfrm>
     </dsp:sp>
   </dsp:spTree>
@@ -3802,7 +3794,7 @@
           <a:p>
             <a:fld id="{4205912B-2496-1C42-B1D1-2648BB9C569F}" type="datetimeFigureOut">
               <a:rPr lang="en-US" smtClean="0"/>
-              <a:t>19/03/15</a:t>
+              <a:t>24/05/15</a:t>
             </a:fld>
             <a:endParaRPr lang="en-US"/>
           </a:p>
@@ -3972,7 +3964,7 @@
           <a:p>
             <a:fld id="{4205912B-2496-1C42-B1D1-2648BB9C569F}" type="datetimeFigureOut">
               <a:rPr lang="en-US" smtClean="0"/>
-              <a:t>19/03/15</a:t>
+              <a:t>24/05/15</a:t>
             </a:fld>
             <a:endParaRPr lang="en-US"/>
           </a:p>
@@ -4152,7 +4144,7 @@
           <a:p>
             <a:fld id="{4205912B-2496-1C42-B1D1-2648BB9C569F}" type="datetimeFigureOut">
               <a:rPr lang="en-US" smtClean="0"/>
-              <a:t>19/03/15</a:t>
+              <a:t>24/05/15</a:t>
             </a:fld>
             <a:endParaRPr lang="en-US"/>
           </a:p>
@@ -4322,7 +4314,7 @@
           <a:p>
             <a:fld id="{4205912B-2496-1C42-B1D1-2648BB9C569F}" type="datetimeFigureOut">
               <a:rPr lang="en-US" smtClean="0"/>
-              <a:t>19/03/15</a:t>
+              <a:t>24/05/15</a:t>
             </a:fld>
             <a:endParaRPr lang="en-US"/>
           </a:p>
@@ -4568,7 +4560,7 @@
           <a:p>
             <a:fld id="{4205912B-2496-1C42-B1D1-2648BB9C569F}" type="datetimeFigureOut">
               <a:rPr lang="en-US" smtClean="0"/>
-              <a:t>19/03/15</a:t>
+              <a:t>24/05/15</a:t>
             </a:fld>
             <a:endParaRPr lang="en-US"/>
           </a:p>
@@ -4856,7 +4848,7 @@
           <a:p>
             <a:fld id="{4205912B-2496-1C42-B1D1-2648BB9C569F}" type="datetimeFigureOut">
               <a:rPr lang="en-US" smtClean="0"/>
-              <a:t>19/03/15</a:t>
+              <a:t>24/05/15</a:t>
             </a:fld>
             <a:endParaRPr lang="en-US"/>
           </a:p>
@@ -5278,7 +5270,7 @@
           <a:p>
             <a:fld id="{4205912B-2496-1C42-B1D1-2648BB9C569F}" type="datetimeFigureOut">
               <a:rPr lang="en-US" smtClean="0"/>
-              <a:t>19/03/15</a:t>
+              <a:t>24/05/15</a:t>
             </a:fld>
             <a:endParaRPr lang="en-US"/>
           </a:p>
@@ -5396,7 +5388,7 @@
           <a:p>
             <a:fld id="{4205912B-2496-1C42-B1D1-2648BB9C569F}" type="datetimeFigureOut">
               <a:rPr lang="en-US" smtClean="0"/>
-              <a:t>19/03/15</a:t>
+              <a:t>24/05/15</a:t>
             </a:fld>
             <a:endParaRPr lang="en-US"/>
           </a:p>
@@ -5491,7 +5483,7 @@
           <a:p>
             <a:fld id="{4205912B-2496-1C42-B1D1-2648BB9C569F}" type="datetimeFigureOut">
               <a:rPr lang="en-US" smtClean="0"/>
-              <a:t>19/03/15</a:t>
+              <a:t>24/05/15</a:t>
             </a:fld>
             <a:endParaRPr lang="en-US"/>
           </a:p>
@@ -5768,7 +5760,7 @@
           <a:p>
             <a:fld id="{4205912B-2496-1C42-B1D1-2648BB9C569F}" type="datetimeFigureOut">
               <a:rPr lang="en-US" smtClean="0"/>
-              <a:t>19/03/15</a:t>
+              <a:t>24/05/15</a:t>
             </a:fld>
             <a:endParaRPr lang="en-US"/>
           </a:p>
@@ -6021,7 +6013,7 @@
           <a:p>
             <a:fld id="{4205912B-2496-1C42-B1D1-2648BB9C569F}" type="datetimeFigureOut">
               <a:rPr lang="en-US" smtClean="0"/>
-              <a:t>19/03/15</a:t>
+              <a:t>24/05/15</a:t>
             </a:fld>
             <a:endParaRPr lang="en-US"/>
           </a:p>
@@ -6234,7 +6226,7 @@
           <a:p>
             <a:fld id="{4205912B-2496-1C42-B1D1-2648BB9C569F}" type="datetimeFigureOut">
               <a:rPr lang="en-US" smtClean="0"/>
-              <a:t>19/03/15</a:t>
+              <a:t>24/05/15</a:t>
             </a:fld>
             <a:endParaRPr lang="en-US"/>
           </a:p>
@@ -6616,14 +6608,14 @@
           <p:nvPr>
             <p:extLst>
               <p:ext uri="{D42A27DB-BD31-4B8C-83A1-F6EECF244321}">
-                <p14:modId xmlns:p14="http://schemas.microsoft.com/office/powerpoint/2010/main" val="2530529833"/>
+                <p14:modId xmlns:p14="http://schemas.microsoft.com/office/powerpoint/2010/main" val="4192048501"/>
               </p:ext>
             </p:extLst>
           </p:nvPr>
         </p:nvGraphicFramePr>
         <p:xfrm>
-          <a:off x="93217" y="81556"/>
-          <a:ext cx="8913872" cy="6664304"/>
+          <a:off x="93216" y="81556"/>
+          <a:ext cx="8946661" cy="4410792"/>
         </p:xfrm>
         <a:graphic>
           <a:graphicData uri="http://schemas.openxmlformats.org/drawingml/2006/diagram">
@@ -6631,6 +6623,140 @@
           </a:graphicData>
         </a:graphic>
       </p:graphicFrame>
+      <p:sp>
+        <p:nvSpPr>
+          <p:cNvPr id="2" name="TextBox 1"/>
+          <p:cNvSpPr txBox="1"/>
+          <p:nvPr/>
+        </p:nvSpPr>
+        <p:spPr>
+          <a:xfrm>
+            <a:off x="93216" y="4492348"/>
+            <a:ext cx="8946661" cy="2215991"/>
+          </a:xfrm>
+          <a:prstGeom prst="rect">
+            <a:avLst/>
+          </a:prstGeom>
+          <a:noFill/>
+        </p:spPr>
+        <p:txBody>
+          <a:bodyPr wrap="square" rtlCol="0">
+            <a:spAutoFit/>
+          </a:bodyPr>
+          <a:lstStyle/>
+          <a:p>
+            <a:pPr algn="ctr"/>
+            <a:r>
+              <a:rPr lang="en-US" sz="2400" b="1" u="sng" dirty="0" smtClean="0"/>
+              <a:t>Multi View LSA : The Recipe</a:t>
+            </a:r>
+          </a:p>
+          <a:p>
+            <a:pPr marL="285750" indent="-285750">
+              <a:buFont typeface="Wingdings" charset="2"/>
+              <a:buChar char="Ø"/>
+            </a:pPr>
+            <a:r>
+              <a:rPr lang="en-US" sz="1900" dirty="0" smtClean="0"/>
+              <a:t>Gather lots of different sources of Co-occurrence counts. (Even existing </a:t>
+            </a:r>
+            <a:r>
+              <a:rPr lang="en-US" sz="1900" dirty="0" err="1" smtClean="0"/>
+              <a:t>Embeddings</a:t>
+            </a:r>
+            <a:r>
+              <a:rPr lang="en-US" sz="1900" dirty="0" smtClean="0"/>
+              <a:t>)</a:t>
+            </a:r>
+          </a:p>
+          <a:p>
+            <a:pPr marL="285750" indent="-285750">
+              <a:buFont typeface="Wingdings" charset="2"/>
+              <a:buChar char="Ø"/>
+            </a:pPr>
+            <a:r>
+              <a:rPr lang="en-US" sz="1900" dirty="0" smtClean="0"/>
+              <a:t>Use a generalization of PCA and CCA from the 60s called GCCA.</a:t>
+            </a:r>
+          </a:p>
+          <a:p>
+            <a:pPr marL="285750" indent="-285750">
+              <a:buFont typeface="Wingdings" charset="2"/>
+              <a:buChar char="Ø"/>
+            </a:pPr>
+            <a:r>
+              <a:rPr lang="en-US" sz="1900" dirty="0" smtClean="0"/>
+              <a:t>Manipulate GCCA so that it can solved as an Eigenvalue problem.</a:t>
+            </a:r>
+          </a:p>
+          <a:p>
+            <a:pPr marL="285750" indent="-285750">
+              <a:buFont typeface="Wingdings" charset="2"/>
+              <a:buChar char="Ø"/>
+            </a:pPr>
+            <a:r>
+              <a:rPr lang="en-US" sz="1900" dirty="0" smtClean="0"/>
+              <a:t>Use Incremental PCA to prepare Eigenvectors. (and keep your sys admin happy)</a:t>
+            </a:r>
+          </a:p>
+          <a:p>
+            <a:pPr marL="285750" indent="-285750">
+              <a:buFont typeface="Wingdings" charset="2"/>
+              <a:buChar char="Ø"/>
+            </a:pPr>
+            <a:r>
+              <a:rPr lang="en-US" sz="1900" dirty="0" smtClean="0"/>
+              <a:t>Use Van De </a:t>
+            </a:r>
+            <a:r>
+              <a:rPr lang="en-US" sz="1900" dirty="0" err="1" smtClean="0"/>
+              <a:t>Velden</a:t>
+            </a:r>
+            <a:r>
+              <a:rPr lang="en-US" sz="1900" dirty="0"/>
+              <a:t> </a:t>
+            </a:r>
+            <a:r>
+              <a:rPr lang="en-US" sz="1900" dirty="0" smtClean="0"/>
+              <a:t>and </a:t>
+            </a:r>
+            <a:r>
+              <a:rPr lang="en-US" sz="1900" dirty="0" err="1" smtClean="0"/>
+              <a:t>Bijmolt’s</a:t>
+            </a:r>
+            <a:r>
+              <a:rPr lang="en-US" sz="1900" dirty="0" smtClean="0"/>
+              <a:t> method to handle </a:t>
+            </a:r>
+            <a:r>
+              <a:rPr lang="en-US" sz="1900" dirty="0" err="1" smtClean="0"/>
+              <a:t>sparsity</a:t>
+            </a:r>
+            <a:r>
+              <a:rPr lang="en-US" sz="1900" dirty="0" smtClean="0"/>
+              <a:t> in co-occurrence matrices.</a:t>
+            </a:r>
+          </a:p>
+          <a:p>
+            <a:pPr marL="285750" indent="-285750">
+              <a:buFont typeface="Wingdings" charset="2"/>
+              <a:buChar char="Ø"/>
+            </a:pPr>
+            <a:r>
+              <a:rPr lang="en-US" sz="1900" dirty="0" smtClean="0"/>
+              <a:t>Test on 13 test sets to make sure the </a:t>
+            </a:r>
+            <a:r>
+              <a:rPr lang="en-US" sz="1900" dirty="0" err="1" smtClean="0"/>
+              <a:t>embeddings</a:t>
+            </a:r>
+            <a:r>
+              <a:rPr lang="en-US" sz="1900" dirty="0" smtClean="0"/>
+              <a:t> taste good.</a:t>
+            </a:r>
+          </a:p>
+        </p:txBody>
+      </p:sp>
     </p:spTree>
     <p:extLst>
       <p:ext uri="{BB962C8B-B14F-4D97-AF65-F5344CB8AC3E}">
